--- a/qgisplugin/Slides/Getis-Ord General G.pptx
+++ b/qgisplugin/Slides/Getis-Ord General G.pptx
@@ -289,6 +289,7 @@
           <a:p>
             <a:fld id="{CC793539-F070-432D-9DBD-033F4AEF22E6}" type="datetimeFigureOut">
               <a:rPr lang="en-US" smtClean="0"/>
+              <a:pPr/>
               <a:t>12/6/2011</a:t>
             </a:fld>
             <a:endParaRPr lang="en-US"/>
@@ -331,6 +332,7 @@
           <a:p>
             <a:fld id="{D52D5BEC-93C2-4CD3-BBA0-4DC5BB93CD88}" type="slidenum">
               <a:rPr lang="en-US" smtClean="0"/>
+              <a:pPr/>
               <a:t>‹#›</a:t>
             </a:fld>
             <a:endParaRPr lang="en-US"/>
@@ -454,6 +456,7 @@
           <a:p>
             <a:fld id="{CC793539-F070-432D-9DBD-033F4AEF22E6}" type="datetimeFigureOut">
               <a:rPr lang="en-US" smtClean="0"/>
+              <a:pPr/>
               <a:t>12/6/2011</a:t>
             </a:fld>
             <a:endParaRPr lang="en-US"/>
@@ -496,6 +499,7 @@
           <a:p>
             <a:fld id="{D52D5BEC-93C2-4CD3-BBA0-4DC5BB93CD88}" type="slidenum">
               <a:rPr lang="en-US" smtClean="0"/>
+              <a:pPr/>
               <a:t>‹#›</a:t>
             </a:fld>
             <a:endParaRPr lang="en-US"/>
@@ -629,6 +633,7 @@
           <a:p>
             <a:fld id="{CC793539-F070-432D-9DBD-033F4AEF22E6}" type="datetimeFigureOut">
               <a:rPr lang="en-US" smtClean="0"/>
+              <a:pPr/>
               <a:t>12/6/2011</a:t>
             </a:fld>
             <a:endParaRPr lang="en-US"/>
@@ -671,6 +676,7 @@
           <a:p>
             <a:fld id="{D52D5BEC-93C2-4CD3-BBA0-4DC5BB93CD88}" type="slidenum">
               <a:rPr lang="en-US" smtClean="0"/>
+              <a:pPr/>
               <a:t>‹#›</a:t>
             </a:fld>
             <a:endParaRPr lang="en-US"/>
@@ -794,6 +800,7 @@
           <a:p>
             <a:fld id="{CC793539-F070-432D-9DBD-033F4AEF22E6}" type="datetimeFigureOut">
               <a:rPr lang="en-US" smtClean="0"/>
+              <a:pPr/>
               <a:t>12/6/2011</a:t>
             </a:fld>
             <a:endParaRPr lang="en-US"/>
@@ -836,6 +843,7 @@
           <a:p>
             <a:fld id="{D52D5BEC-93C2-4CD3-BBA0-4DC5BB93CD88}" type="slidenum">
               <a:rPr lang="en-US" smtClean="0"/>
+              <a:pPr/>
               <a:t>‹#›</a:t>
             </a:fld>
             <a:endParaRPr lang="en-US"/>
@@ -1035,6 +1043,7 @@
           <a:p>
             <a:fld id="{CC793539-F070-432D-9DBD-033F4AEF22E6}" type="datetimeFigureOut">
               <a:rPr lang="en-US" smtClean="0"/>
+              <a:pPr/>
               <a:t>12/6/2011</a:t>
             </a:fld>
             <a:endParaRPr lang="en-US"/>
@@ -1077,6 +1086,7 @@
           <a:p>
             <a:fld id="{D52D5BEC-93C2-4CD3-BBA0-4DC5BB93CD88}" type="slidenum">
               <a:rPr lang="en-US" smtClean="0"/>
+              <a:pPr/>
               <a:t>‹#›</a:t>
             </a:fld>
             <a:endParaRPr lang="en-US"/>
@@ -1318,6 +1328,7 @@
           <a:p>
             <a:fld id="{CC793539-F070-432D-9DBD-033F4AEF22E6}" type="datetimeFigureOut">
               <a:rPr lang="en-US" smtClean="0"/>
+              <a:pPr/>
               <a:t>12/6/2011</a:t>
             </a:fld>
             <a:endParaRPr lang="en-US"/>
@@ -1360,6 +1371,7 @@
           <a:p>
             <a:fld id="{D52D5BEC-93C2-4CD3-BBA0-4DC5BB93CD88}" type="slidenum">
               <a:rPr lang="en-US" smtClean="0"/>
+              <a:pPr/>
               <a:t>‹#›</a:t>
             </a:fld>
             <a:endParaRPr lang="en-US"/>
@@ -1735,6 +1747,7 @@
           <a:p>
             <a:fld id="{CC793539-F070-432D-9DBD-033F4AEF22E6}" type="datetimeFigureOut">
               <a:rPr lang="en-US" smtClean="0"/>
+              <a:pPr/>
               <a:t>12/6/2011</a:t>
             </a:fld>
             <a:endParaRPr lang="en-US"/>
@@ -1777,6 +1790,7 @@
           <a:p>
             <a:fld id="{D52D5BEC-93C2-4CD3-BBA0-4DC5BB93CD88}" type="slidenum">
               <a:rPr lang="en-US" smtClean="0"/>
+              <a:pPr/>
               <a:t>‹#›</a:t>
             </a:fld>
             <a:endParaRPr lang="en-US"/>
@@ -1848,6 +1862,7 @@
           <a:p>
             <a:fld id="{CC793539-F070-432D-9DBD-033F4AEF22E6}" type="datetimeFigureOut">
               <a:rPr lang="en-US" smtClean="0"/>
+              <a:pPr/>
               <a:t>12/6/2011</a:t>
             </a:fld>
             <a:endParaRPr lang="en-US"/>
@@ -1890,6 +1905,7 @@
           <a:p>
             <a:fld id="{D52D5BEC-93C2-4CD3-BBA0-4DC5BB93CD88}" type="slidenum">
               <a:rPr lang="en-US" smtClean="0"/>
+              <a:pPr/>
               <a:t>‹#›</a:t>
             </a:fld>
             <a:endParaRPr lang="en-US"/>
@@ -1938,6 +1954,7 @@
           <a:p>
             <a:fld id="{CC793539-F070-432D-9DBD-033F4AEF22E6}" type="datetimeFigureOut">
               <a:rPr lang="en-US" smtClean="0"/>
+              <a:pPr/>
               <a:t>12/6/2011</a:t>
             </a:fld>
             <a:endParaRPr lang="en-US"/>
@@ -1980,6 +1997,7 @@
           <a:p>
             <a:fld id="{D52D5BEC-93C2-4CD3-BBA0-4DC5BB93CD88}" type="slidenum">
               <a:rPr lang="en-US" smtClean="0"/>
+              <a:pPr/>
               <a:t>‹#›</a:t>
             </a:fld>
             <a:endParaRPr lang="en-US"/>
@@ -2210,6 +2228,7 @@
           <a:p>
             <a:fld id="{CC793539-F070-432D-9DBD-033F4AEF22E6}" type="datetimeFigureOut">
               <a:rPr lang="en-US" smtClean="0"/>
+              <a:pPr/>
               <a:t>12/6/2011</a:t>
             </a:fld>
             <a:endParaRPr lang="en-US"/>
@@ -2252,6 +2271,7 @@
           <a:p>
             <a:fld id="{D52D5BEC-93C2-4CD3-BBA0-4DC5BB93CD88}" type="slidenum">
               <a:rPr lang="en-US" smtClean="0"/>
+              <a:pPr/>
               <a:t>‹#›</a:t>
             </a:fld>
             <a:endParaRPr lang="en-US"/>
@@ -2458,6 +2478,7 @@
           <a:p>
             <a:fld id="{CC793539-F070-432D-9DBD-033F4AEF22E6}" type="datetimeFigureOut">
               <a:rPr lang="en-US" smtClean="0"/>
+              <a:pPr/>
               <a:t>12/6/2011</a:t>
             </a:fld>
             <a:endParaRPr lang="en-US"/>
@@ -2500,6 +2521,7 @@
           <a:p>
             <a:fld id="{D52D5BEC-93C2-4CD3-BBA0-4DC5BB93CD88}" type="slidenum">
               <a:rPr lang="en-US" smtClean="0"/>
+              <a:pPr/>
               <a:t>‹#›</a:t>
             </a:fld>
             <a:endParaRPr lang="en-US"/>
@@ -2666,6 +2688,7 @@
           <a:p>
             <a:fld id="{CC793539-F070-432D-9DBD-033F4AEF22E6}" type="datetimeFigureOut">
               <a:rPr lang="en-US" smtClean="0"/>
+              <a:pPr/>
               <a:t>12/6/2011</a:t>
             </a:fld>
             <a:endParaRPr lang="en-US"/>
@@ -2744,6 +2767,7 @@
           <a:p>
             <a:fld id="{D52D5BEC-93C2-4CD3-BBA0-4DC5BB93CD88}" type="slidenum">
               <a:rPr lang="en-US" smtClean="0"/>
+              <a:pPr/>
               <a:t>‹#›</a:t>
             </a:fld>
             <a:endParaRPr lang="en-US"/>
@@ -3102,7 +3126,27 @@
                 <a:latin typeface="Times New Roman" pitchFamily="18" charset="0"/>
                 <a:cs typeface="Times New Roman" pitchFamily="18" charset="0"/>
               </a:rPr>
-              <a:t>Also called high/low clustering analysis: inferential statistic.</a:t>
+              <a:t>Also called high/low clustering analysis: </a:t>
+            </a:r>
+            <a:r>
+              <a:rPr lang="en-US" sz="2400" dirty="0" smtClean="0">
+                <a:solidFill>
+                  <a:schemeClr val="tx1"/>
+                </a:solidFill>
+                <a:latin typeface="Times New Roman" pitchFamily="18" charset="0"/>
+                <a:cs typeface="Times New Roman" pitchFamily="18" charset="0"/>
+              </a:rPr>
+              <a:t>another tool for spatial statistic</a:t>
+            </a:r>
+            <a:r>
+              <a:rPr lang="en-US" sz="2400" dirty="0" smtClean="0">
+                <a:solidFill>
+                  <a:schemeClr val="tx1"/>
+                </a:solidFill>
+                <a:latin typeface="Times New Roman" pitchFamily="18" charset="0"/>
+                <a:cs typeface="Times New Roman" pitchFamily="18" charset="0"/>
+              </a:rPr>
+              <a:t>.</a:t>
             </a:r>
           </a:p>
           <a:p>
@@ -3226,7 +3270,17 @@
                 <a:latin typeface="Times New Roman" pitchFamily="18" charset="0"/>
                 <a:cs typeface="Times New Roman" pitchFamily="18" charset="0"/>
               </a:rPr>
-              <a:t> </a:t>
+              <a:t>In </a:t>
+            </a:r>
+            <a:r>
+              <a:rPr lang="en-US" sz="2400" dirty="0" err="1" smtClean="0">
+                <a:solidFill>
+                  <a:schemeClr val="tx1"/>
+                </a:solidFill>
+                <a:latin typeface="Times New Roman" pitchFamily="18" charset="0"/>
+                <a:cs typeface="Times New Roman" pitchFamily="18" charset="0"/>
+              </a:rPr>
+              <a:t>Pysal</a:t>
             </a:r>
             <a:r>
               <a:rPr lang="en-US" sz="2400" dirty="0" smtClean="0">
@@ -3236,7 +3290,17 @@
                 <a:latin typeface="Times New Roman" pitchFamily="18" charset="0"/>
                 <a:cs typeface="Times New Roman" pitchFamily="18" charset="0"/>
               </a:rPr>
-              <a:t>If rejected null </a:t>
+              <a:t>: only weight distance is applicable for </a:t>
+            </a:r>
+            <a:r>
+              <a:rPr lang="en-US" sz="2400" dirty="0" err="1" smtClean="0">
+                <a:solidFill>
+                  <a:schemeClr val="tx1"/>
+                </a:solidFill>
+                <a:latin typeface="Times New Roman" pitchFamily="18" charset="0"/>
+                <a:cs typeface="Times New Roman" pitchFamily="18" charset="0"/>
+              </a:rPr>
+              <a:t>Getis-Ord</a:t>
             </a:r>
             <a:r>
               <a:rPr lang="en-US" sz="2400" dirty="0" smtClean="0">
@@ -3246,60 +3310,15 @@
                 <a:latin typeface="Times New Roman" pitchFamily="18" charset="0"/>
                 <a:cs typeface="Times New Roman" pitchFamily="18" charset="0"/>
               </a:rPr>
-              <a:t>hypothesis and z-score - </a:t>
-            </a:r>
-            <a:r>
-              <a:rPr lang="en-US" sz="2400" dirty="0" smtClean="0">
-                <a:solidFill>
-                  <a:schemeClr val="tx1"/>
-                </a:solidFill>
-                <a:latin typeface="Times New Roman" pitchFamily="18" charset="0"/>
-                <a:cs typeface="Times New Roman" pitchFamily="18" charset="0"/>
-                <a:sym typeface="Wingdings" pitchFamily="2" charset="2"/>
-              </a:rPr>
-              <a:t></a:t>
-            </a:r>
-            <a:r>
-              <a:rPr lang="en-US" sz="2400" dirty="0" smtClean="0">
-                <a:solidFill>
-                  <a:schemeClr val="tx1"/>
-                </a:solidFill>
-                <a:latin typeface="Times New Roman" pitchFamily="18" charset="0"/>
-                <a:cs typeface="Times New Roman" pitchFamily="18" charset="0"/>
-              </a:rPr>
-              <a:t> observed General G index is </a:t>
-            </a:r>
-            <a:r>
-              <a:rPr lang="en-US" sz="2400" dirty="0" err="1" smtClean="0">
-                <a:solidFill>
-                  <a:schemeClr val="tx1"/>
-                </a:solidFill>
-                <a:latin typeface="Times New Roman" pitchFamily="18" charset="0"/>
-                <a:cs typeface="Times New Roman" pitchFamily="18" charset="0"/>
-              </a:rPr>
-              <a:t>smalle</a:t>
-            </a:r>
-            <a:r>
-              <a:rPr lang="en-US" sz="2400" dirty="0" smtClean="0">
-                <a:solidFill>
-                  <a:schemeClr val="tx1"/>
-                </a:solidFill>
-                <a:latin typeface="Times New Roman" pitchFamily="18" charset="0"/>
-                <a:cs typeface="Times New Roman" pitchFamily="18" charset="0"/>
-                <a:sym typeface="Wingdings" pitchFamily="2" charset="2"/>
-              </a:rPr>
-              <a:t></a:t>
-            </a:r>
-            <a:r>
-              <a:rPr lang="en-US" sz="2400" dirty="0" smtClean="0">
-                <a:solidFill>
-                  <a:schemeClr val="tx1"/>
-                </a:solidFill>
-                <a:latin typeface="Times New Roman" pitchFamily="18" charset="0"/>
-                <a:cs typeface="Times New Roman" pitchFamily="18" charset="0"/>
-              </a:rPr>
-              <a:t> low values are clustered in the study area. </a:t>
-            </a:r>
+              <a:t>. </a:t>
+            </a:r>
+            <a:endParaRPr lang="en-US" sz="2400" dirty="0" smtClean="0">
+              <a:solidFill>
+                <a:schemeClr val="tx1"/>
+              </a:solidFill>
+              <a:latin typeface="Times New Roman" pitchFamily="18" charset="0"/>
+              <a:cs typeface="Times New Roman" pitchFamily="18" charset="0"/>
+            </a:endParaRPr>
           </a:p>
         </p:txBody>
       </p:sp>

--- a/qgisplugin/Slides/Getis-Ord General G.pptx
+++ b/qgisplugin/Slides/Getis-Ord General G.pptx
@@ -3126,17 +3126,7 @@
                 <a:latin typeface="Times New Roman" pitchFamily="18" charset="0"/>
                 <a:cs typeface="Times New Roman" pitchFamily="18" charset="0"/>
               </a:rPr>
-              <a:t>Also called high/low clustering analysis: </a:t>
-            </a:r>
-            <a:r>
-              <a:rPr lang="en-US" sz="2400" dirty="0" smtClean="0">
-                <a:solidFill>
-                  <a:schemeClr val="tx1"/>
-                </a:solidFill>
-                <a:latin typeface="Times New Roman" pitchFamily="18" charset="0"/>
-                <a:cs typeface="Times New Roman" pitchFamily="18" charset="0"/>
-              </a:rPr>
-              <a:t>another tool for spatial statistic</a:t>
+              <a:t>Also called high/low clustering analysis: another tool for spatial statistic</a:t>
             </a:r>
             <a:r>
               <a:rPr lang="en-US" sz="2400" dirty="0" smtClean="0">
@@ -3148,12 +3138,6 @@
               </a:rPr>
               <a:t>.</a:t>
             </a:r>
-          </a:p>
-          <a:p>
-            <a:pPr algn="l">
-              <a:buFont typeface="Arial" pitchFamily="34" charset="0"/>
-              <a:buChar char="•"/>
-            </a:pPr>
             <a:endParaRPr lang="en-US" sz="2400" dirty="0" smtClean="0">
               <a:solidFill>
                 <a:schemeClr val="tx1"/>
@@ -3310,8 +3294,70 @@
                 <a:latin typeface="Times New Roman" pitchFamily="18" charset="0"/>
                 <a:cs typeface="Times New Roman" pitchFamily="18" charset="0"/>
               </a:rPr>
-              <a:t>. </a:t>
-            </a:r>
+              <a:t>.</a:t>
+            </a:r>
+          </a:p>
+          <a:p>
+            <a:pPr algn="l">
+              <a:buFont typeface="Arial" pitchFamily="34" charset="0"/>
+              <a:buChar char="•"/>
+            </a:pPr>
+            <a:r>
+              <a:rPr lang="en-US" sz="2400" dirty="0" smtClean="0">
+                <a:solidFill>
+                  <a:schemeClr val="tx1"/>
+                </a:solidFill>
+                <a:latin typeface="Times New Roman" pitchFamily="18" charset="0"/>
+                <a:cs typeface="Times New Roman" pitchFamily="18" charset="0"/>
+              </a:rPr>
+              <a:t> </a:t>
+            </a:r>
+            <a:r>
+              <a:rPr lang="en-US" sz="2400" dirty="0" smtClean="0">
+                <a:solidFill>
+                  <a:schemeClr val="tx1"/>
+                </a:solidFill>
+                <a:latin typeface="Times New Roman" pitchFamily="18" charset="0"/>
+                <a:cs typeface="Times New Roman" pitchFamily="18" charset="0"/>
+              </a:rPr>
+              <a:t>Local </a:t>
+            </a:r>
+            <a:r>
+              <a:rPr lang="en-US" sz="2400" dirty="0" err="1" smtClean="0">
+                <a:solidFill>
+                  <a:schemeClr val="tx1"/>
+                </a:solidFill>
+                <a:latin typeface="Times New Roman" pitchFamily="18" charset="0"/>
+                <a:cs typeface="Times New Roman" pitchFamily="18" charset="0"/>
+              </a:rPr>
+              <a:t>Getis-Ord</a:t>
+            </a:r>
+            <a:r>
+              <a:rPr lang="en-US" sz="2400" dirty="0" smtClean="0">
+                <a:solidFill>
+                  <a:schemeClr val="tx1"/>
+                </a:solidFill>
+                <a:latin typeface="Times New Roman" pitchFamily="18" charset="0"/>
+                <a:cs typeface="Times New Roman" pitchFamily="18" charset="0"/>
+              </a:rPr>
+              <a:t> or Local Moran I will verify the local clustering or </a:t>
+            </a:r>
+            <a:r>
+              <a:rPr lang="en-US" sz="2400" dirty="0" smtClean="0">
+                <a:solidFill>
+                  <a:schemeClr val="tx1"/>
+                </a:solidFill>
+                <a:latin typeface="Times New Roman" pitchFamily="18" charset="0"/>
+                <a:cs typeface="Times New Roman" pitchFamily="18" charset="0"/>
+              </a:rPr>
+              <a:t> hot/cool spots analysis</a:t>
+            </a:r>
+          </a:p>
+          <a:p>
+            <a:pPr algn="l">
+              <a:buFont typeface="Arial" pitchFamily="34" charset="0"/>
+              <a:buChar char="•"/>
+            </a:pPr>
             <a:endParaRPr lang="en-US" sz="2400" dirty="0" smtClean="0">
               <a:solidFill>
                 <a:schemeClr val="tx1"/>
@@ -3416,7 +3462,7 @@
         </p:blipFill>
         <p:spPr bwMode="auto">
           <a:xfrm>
-            <a:off x="268014" y="1066800"/>
+            <a:off x="762000" y="1066800"/>
             <a:ext cx="4351282" cy="5257800"/>
           </a:xfrm>
           <a:prstGeom prst="rect">
